--- a/hsl.pptx
+++ b/hsl.pptx
@@ -119,16 +119,24 @@
   <pc:docChgLst>
     <pc:chgData name="Vis-Dunbar, Mathew" userId="2545a948-ceda-4814-a369-43b868dcdb2d" providerId="ADAL" clId="{162AE257-084A-BB4A-927E-DA1081BF6B3D}"/>
     <pc:docChg chg="undo custSel addSld delSld modSld sldOrd">
-      <pc:chgData name="Vis-Dunbar, Mathew" userId="2545a948-ceda-4814-a369-43b868dcdb2d" providerId="ADAL" clId="{162AE257-084A-BB4A-927E-DA1081BF6B3D}" dt="2024-02-06T18:35:03.315" v="114" actId="2696"/>
+      <pc:chgData name="Vis-Dunbar, Mathew" userId="2545a948-ceda-4814-a369-43b868dcdb2d" providerId="ADAL" clId="{162AE257-084A-BB4A-927E-DA1081BF6B3D}" dt="2024-02-07T00:32:27.568" v="115" actId="207"/>
       <pc:docMkLst>
         <pc:docMk/>
       </pc:docMkLst>
       <pc:sldChg chg="modSp mod">
-        <pc:chgData name="Vis-Dunbar, Mathew" userId="2545a948-ceda-4814-a369-43b868dcdb2d" providerId="ADAL" clId="{162AE257-084A-BB4A-927E-DA1081BF6B3D}" dt="2024-02-06T16:12:29.896" v="48" actId="1038"/>
+        <pc:chgData name="Vis-Dunbar, Mathew" userId="2545a948-ceda-4814-a369-43b868dcdb2d" providerId="ADAL" clId="{162AE257-084A-BB4A-927E-DA1081BF6B3D}" dt="2024-02-07T00:32:27.568" v="115" actId="207"/>
         <pc:sldMkLst>
           <pc:docMk/>
           <pc:sldMk cId="1752410246" sldId="256"/>
         </pc:sldMkLst>
+        <pc:spChg chg="mod">
+          <ac:chgData name="Vis-Dunbar, Mathew" userId="2545a948-ceda-4814-a369-43b868dcdb2d" providerId="ADAL" clId="{162AE257-084A-BB4A-927E-DA1081BF6B3D}" dt="2024-02-07T00:32:27.568" v="115" actId="207"/>
+          <ac:spMkLst>
+            <pc:docMk/>
+            <pc:sldMk cId="1752410246" sldId="256"/>
+            <ac:spMk id="4" creationId="{F7C69CA5-A124-160C-1677-D4982ACD5402}"/>
+          </ac:spMkLst>
+        </pc:spChg>
         <pc:grpChg chg="mod">
           <ac:chgData name="Vis-Dunbar, Mathew" userId="2545a948-ceda-4814-a369-43b868dcdb2d" providerId="ADAL" clId="{162AE257-084A-BB4A-927E-DA1081BF6B3D}" dt="2024-02-06T16:12:29.896" v="48" actId="1038"/>
           <ac:grpSpMkLst>
